--- a/courses/geog475_pres.pptx
+++ b/courses/geog475_pres.pptx
@@ -6,13 +6,16 @@
   </p:sldMasterIdLst>
   <p:sldIdLst>
     <p:sldId id="256" r:id="rId2"/>
-    <p:sldId id="257" r:id="rId3"/>
-    <p:sldId id="263" r:id="rId4"/>
+    <p:sldId id="269" r:id="rId3"/>
+    <p:sldId id="270" r:id="rId4"/>
     <p:sldId id="264" r:id="rId5"/>
-    <p:sldId id="258" r:id="rId6"/>
+    <p:sldId id="263" r:id="rId6"/>
     <p:sldId id="261" r:id="rId7"/>
     <p:sldId id="265" r:id="rId8"/>
     <p:sldId id="262" r:id="rId9"/>
+    <p:sldId id="268" r:id="rId10"/>
+    <p:sldId id="266" r:id="rId11"/>
+    <p:sldId id="267" r:id="rId12"/>
   </p:sldIdLst>
   <p:sldSz cx="12192000" cy="6858000"/>
   <p:notesSz cx="6858000" cy="9144000"/>
@@ -111,6 +114,11 @@
       </a:defRPr>
     </a:lvl9pPr>
   </p:defaultTextStyle>
+  <p:extLst>
+    <p:ext uri="{EFAFB233-063F-42B5-8137-9DF3F51BA10A}">
+      <p15:sldGuideLst xmlns:p15="http://schemas.microsoft.com/office/powerpoint/2012/main"/>
+    </p:ext>
+  </p:extLst>
 </p:presentation>
 </file>
 
@@ -342,7 +350,7 @@
           <a:p>
             <a:fld id="{A91272D2-4505-4B30-9706-5E7E0AC84A40}" type="datetimeFigureOut">
               <a:rPr lang="en-US" smtClean="0"/>
-              <a:t>4/4/2018</a:t>
+              <a:t>4/9/2018</a:t>
             </a:fld>
             <a:endParaRPr lang="en-US"/>
           </a:p>
@@ -550,7 +558,7 @@
           <a:p>
             <a:fld id="{A91272D2-4505-4B30-9706-5E7E0AC84A40}" type="datetimeFigureOut">
               <a:rPr lang="en-US" smtClean="0"/>
-              <a:t>4/4/2018</a:t>
+              <a:t>4/9/2018</a:t>
             </a:fld>
             <a:endParaRPr lang="en-US"/>
           </a:p>
@@ -808,7 +816,7 @@
           <a:p>
             <a:fld id="{A91272D2-4505-4B30-9706-5E7E0AC84A40}" type="datetimeFigureOut">
               <a:rPr lang="en-US" smtClean="0"/>
-              <a:t>4/4/2018</a:t>
+              <a:t>4/9/2018</a:t>
             </a:fld>
             <a:endParaRPr lang="en-US"/>
           </a:p>
@@ -978,7 +986,7 @@
           <a:p>
             <a:fld id="{A91272D2-4505-4B30-9706-5E7E0AC84A40}" type="datetimeFigureOut">
               <a:rPr lang="en-US" smtClean="0"/>
-              <a:t>4/4/2018</a:t>
+              <a:t>4/9/2018</a:t>
             </a:fld>
             <a:endParaRPr lang="en-US"/>
           </a:p>
@@ -1315,7 +1323,7 @@
           <a:p>
             <a:fld id="{A91272D2-4505-4B30-9706-5E7E0AC84A40}" type="datetimeFigureOut">
               <a:rPr lang="en-US" smtClean="0"/>
-              <a:t>4/4/2018</a:t>
+              <a:t>4/9/2018</a:t>
             </a:fld>
             <a:endParaRPr lang="en-US"/>
           </a:p>
@@ -1590,7 +1598,7 @@
           <a:p>
             <a:fld id="{A91272D2-4505-4B30-9706-5E7E0AC84A40}" type="datetimeFigureOut">
               <a:rPr lang="en-US" smtClean="0"/>
-              <a:t>4/4/2018</a:t>
+              <a:t>4/9/2018</a:t>
             </a:fld>
             <a:endParaRPr lang="en-US"/>
           </a:p>
@@ -1969,7 +1977,7 @@
           <a:p>
             <a:fld id="{A91272D2-4505-4B30-9706-5E7E0AC84A40}" type="datetimeFigureOut">
               <a:rPr lang="en-US" smtClean="0"/>
-              <a:t>4/4/2018</a:t>
+              <a:t>4/9/2018</a:t>
             </a:fld>
             <a:endParaRPr lang="en-US"/>
           </a:p>
@@ -2087,7 +2095,7 @@
           <a:p>
             <a:fld id="{A91272D2-4505-4B30-9706-5E7E0AC84A40}" type="datetimeFigureOut">
               <a:rPr lang="en-US" smtClean="0"/>
-              <a:t>4/4/2018</a:t>
+              <a:t>4/9/2018</a:t>
             </a:fld>
             <a:endParaRPr lang="en-US"/>
           </a:p>
@@ -2260,7 +2268,7 @@
           <a:p>
             <a:fld id="{A91272D2-4505-4B30-9706-5E7E0AC84A40}" type="datetimeFigureOut">
               <a:rPr lang="en-US" smtClean="0"/>
-              <a:t>4/4/2018</a:t>
+              <a:t>4/9/2018</a:t>
             </a:fld>
             <a:endParaRPr lang="en-US"/>
           </a:p>
@@ -2616,7 +2624,7 @@
           <a:p>
             <a:fld id="{A91272D2-4505-4B30-9706-5E7E0AC84A40}" type="datetimeFigureOut">
               <a:rPr lang="en-US" smtClean="0"/>
-              <a:t>4/4/2018</a:t>
+              <a:t>4/9/2018</a:t>
             </a:fld>
             <a:endParaRPr lang="en-US"/>
           </a:p>
@@ -2995,7 +3003,7 @@
           <a:p>
             <a:fld id="{A91272D2-4505-4B30-9706-5E7E0AC84A40}" type="datetimeFigureOut">
               <a:rPr lang="en-US" smtClean="0"/>
-              <a:t>4/4/2018</a:t>
+              <a:t>4/9/2018</a:t>
             </a:fld>
             <a:endParaRPr lang="en-US"/>
           </a:p>
@@ -3284,7 +3292,7 @@
           <a:p>
             <a:fld id="{A91272D2-4505-4B30-9706-5E7E0AC84A40}" type="datetimeFigureOut">
               <a:rPr lang="en-US" smtClean="0"/>
-              <a:t>4/4/2018</a:t>
+              <a:t>4/9/2018</a:t>
             </a:fld>
             <a:endParaRPr lang="en-US"/>
           </a:p>
@@ -3874,6 +3882,331 @@
 </p:sld>
 </file>
 
+<file path=ppt/slides/slide10.xml><?xml version="1.0" encoding="utf-8"?>
+<p:sld xmlns:a="http://schemas.openxmlformats.org/drawingml/2006/main" xmlns:r="http://schemas.openxmlformats.org/officeDocument/2006/relationships" xmlns:p="http://schemas.openxmlformats.org/presentationml/2006/main">
+  <p:cSld>
+    <p:spTree>
+      <p:nvGrpSpPr>
+        <p:cNvPr id="1" name=""/>
+        <p:cNvGrpSpPr/>
+        <p:nvPr/>
+      </p:nvGrpSpPr>
+      <p:grpSpPr>
+        <a:xfrm>
+          <a:off x="0" y="0"/>
+          <a:ext cx="0" cy="0"/>
+          <a:chOff x="0" y="0"/>
+          <a:chExt cx="0" cy="0"/>
+        </a:xfrm>
+      </p:grpSpPr>
+      <p:sp>
+        <p:nvSpPr>
+          <p:cNvPr id="2" name="Title 1"/>
+          <p:cNvSpPr>
+            <a:spLocks noGrp="1"/>
+          </p:cNvSpPr>
+          <p:nvPr>
+            <p:ph type="title"/>
+          </p:nvPr>
+        </p:nvSpPr>
+        <p:spPr/>
+        <p:txBody>
+          <a:bodyPr/>
+          <a:lstStyle/>
+          <a:p>
+            <a:r>
+              <a:rPr lang="en-US" dirty="0" smtClean="0"/>
+              <a:t>Conclusion</a:t>
+            </a:r>
+            <a:endParaRPr lang="en-US" dirty="0"/>
+          </a:p>
+        </p:txBody>
+      </p:sp>
+      <p:sp>
+        <p:nvSpPr>
+          <p:cNvPr id="3" name="Content Placeholder 2"/>
+          <p:cNvSpPr>
+            <a:spLocks noGrp="1"/>
+          </p:cNvSpPr>
+          <p:nvPr>
+            <p:ph idx="1"/>
+          </p:nvPr>
+        </p:nvSpPr>
+        <p:spPr/>
+        <p:txBody>
+          <a:bodyPr>
+            <a:normAutofit lnSpcReduction="10000"/>
+          </a:bodyPr>
+          <a:lstStyle/>
+          <a:p>
+            <a:pPr>
+              <a:buFont typeface="Arial" panose="020B0604020202020204" pitchFamily="34" charset="0"/>
+              <a:buChar char="•"/>
+            </a:pPr>
+            <a:r>
+              <a:rPr lang="en-US" dirty="0">
+                <a:sym typeface="Wingdings" panose="05000000000000000000" pitchFamily="2" charset="2"/>
+              </a:rPr>
+              <a:t> </a:t>
+            </a:r>
+            <a:r>
+              <a:rPr lang="en-US" dirty="0" smtClean="0">
+                <a:sym typeface="Wingdings" panose="05000000000000000000" pitchFamily="2" charset="2"/>
+              </a:rPr>
+              <a:t>Snow melts quicker </a:t>
+            </a:r>
+            <a:r>
+              <a:rPr lang="en-US" dirty="0" smtClean="0">
+                <a:sym typeface="Wingdings" panose="05000000000000000000" pitchFamily="2" charset="2"/>
+              </a:rPr>
+              <a:t>after fire than before fire</a:t>
+            </a:r>
+          </a:p>
+          <a:p>
+            <a:pPr lvl="1">
+              <a:buFont typeface="Wingdings" panose="05000000000000000000" pitchFamily="2" charset="2"/>
+              <a:buChar char="Ø"/>
+            </a:pPr>
+            <a:r>
+              <a:rPr lang="en-US" dirty="0">
+                <a:sym typeface="Wingdings" panose="05000000000000000000" pitchFamily="2" charset="2"/>
+              </a:rPr>
+              <a:t> </a:t>
+            </a:r>
+            <a:r>
+              <a:rPr lang="en-US" dirty="0" smtClean="0">
+                <a:sym typeface="Wingdings" panose="05000000000000000000" pitchFamily="2" charset="2"/>
+              </a:rPr>
+              <a:t>50% </a:t>
+            </a:r>
+            <a:r>
+              <a:rPr lang="en-US" dirty="0" smtClean="0">
+                <a:sym typeface="Wingdings" panose="05000000000000000000" pitchFamily="2" charset="2"/>
+              </a:rPr>
+              <a:t>Cumulative discharge </a:t>
+            </a:r>
+            <a:endParaRPr lang="en-US" dirty="0" smtClean="0">
+              <a:sym typeface="Wingdings" panose="05000000000000000000" pitchFamily="2" charset="2"/>
+            </a:endParaRPr>
+          </a:p>
+          <a:p>
+            <a:pPr>
+              <a:buFont typeface="Arial" panose="020B0604020202020204" pitchFamily="34" charset="0"/>
+              <a:buChar char="•"/>
+            </a:pPr>
+            <a:r>
+              <a:rPr lang="en-US" dirty="0" smtClean="0">
+                <a:sym typeface="Wingdings" panose="05000000000000000000" pitchFamily="2" charset="2"/>
+              </a:rPr>
+              <a:t>Negative </a:t>
+            </a:r>
+            <a:r>
+              <a:rPr lang="en-US" dirty="0">
+                <a:sym typeface="Wingdings" panose="05000000000000000000" pitchFamily="2" charset="2"/>
+              </a:rPr>
+              <a:t>affects of earlier cumulative </a:t>
+            </a:r>
+            <a:r>
+              <a:rPr lang="en-US" dirty="0" smtClean="0">
+                <a:sym typeface="Wingdings" panose="05000000000000000000" pitchFamily="2" charset="2"/>
+              </a:rPr>
+              <a:t>discharge water availability/flow throughout summer?</a:t>
+            </a:r>
+          </a:p>
+          <a:p>
+            <a:pPr lvl="1">
+              <a:buFont typeface="Arial" panose="020B0604020202020204" pitchFamily="34" charset="0"/>
+              <a:buChar char="•"/>
+            </a:pPr>
+            <a:r>
+              <a:rPr lang="en-US" dirty="0" smtClean="0">
+                <a:sym typeface="Wingdings" panose="05000000000000000000" pitchFamily="2" charset="2"/>
+              </a:rPr>
+              <a:t>Water temp?</a:t>
+            </a:r>
+            <a:endParaRPr lang="en-US" dirty="0"/>
+          </a:p>
+          <a:p>
+            <a:pPr>
+              <a:buFont typeface="Arial" panose="020B0604020202020204" pitchFamily="34" charset="0"/>
+              <a:buChar char="•"/>
+            </a:pPr>
+            <a:endParaRPr lang="en-US" dirty="0" smtClean="0"/>
+          </a:p>
+          <a:p>
+            <a:pPr>
+              <a:buFont typeface="Arial" panose="020B0604020202020204" pitchFamily="34" charset="0"/>
+              <a:buChar char="•"/>
+            </a:pPr>
+            <a:endParaRPr lang="en-US" dirty="0"/>
+          </a:p>
+          <a:p>
+            <a:pPr>
+              <a:buFont typeface="Arial" panose="020B0604020202020204" pitchFamily="34" charset="0"/>
+              <a:buChar char="•"/>
+            </a:pPr>
+            <a:r>
+              <a:rPr lang="en-US" dirty="0" smtClean="0"/>
+              <a:t>Climate change </a:t>
+            </a:r>
+            <a:r>
+              <a:rPr lang="en-US" dirty="0" smtClean="0">
+                <a:sym typeface="Wingdings" panose="05000000000000000000" pitchFamily="2" charset="2"/>
+              </a:rPr>
+              <a:t> earlier snowmelt -&gt; earlier cumulative discharge</a:t>
+            </a:r>
+          </a:p>
+          <a:p>
+            <a:pPr>
+              <a:buFont typeface="Arial" panose="020B0604020202020204" pitchFamily="34" charset="0"/>
+              <a:buChar char="•"/>
+            </a:pPr>
+            <a:r>
+              <a:rPr lang="en-US" dirty="0" smtClean="0">
+                <a:sym typeface="Wingdings" panose="05000000000000000000" pitchFamily="2" charset="2"/>
+              </a:rPr>
+              <a:t>Climate change -&gt; more frequent, large fires -&gt; earlier post-fire snowmelt  earlier cumulative discharge</a:t>
+            </a:r>
+          </a:p>
+          <a:p>
+            <a:pPr>
+              <a:buFont typeface="Arial" panose="020B0604020202020204" pitchFamily="34" charset="0"/>
+              <a:buChar char="•"/>
+            </a:pPr>
+            <a:r>
+              <a:rPr lang="en-US" dirty="0" smtClean="0">
+                <a:sym typeface="Wingdings" panose="05000000000000000000" pitchFamily="2" charset="2"/>
+              </a:rPr>
+              <a:t>Additive or multiplicative effects of the two?</a:t>
+            </a:r>
+          </a:p>
+          <a:p>
+            <a:pPr>
+              <a:buFont typeface="Arial" panose="020B0604020202020204" pitchFamily="34" charset="0"/>
+              <a:buChar char="•"/>
+            </a:pPr>
+            <a:endParaRPr lang="en-US" dirty="0">
+              <a:sym typeface="Wingdings" panose="05000000000000000000" pitchFamily="2" charset="2"/>
+            </a:endParaRPr>
+          </a:p>
+        </p:txBody>
+      </p:sp>
+    </p:spTree>
+    <p:extLst>
+      <p:ext uri="{BB962C8B-B14F-4D97-AF65-F5344CB8AC3E}">
+        <p14:creationId xmlns:p14="http://schemas.microsoft.com/office/powerpoint/2010/main" val="2984852647"/>
+      </p:ext>
+    </p:extLst>
+  </p:cSld>
+  <p:clrMapOvr>
+    <a:masterClrMapping/>
+  </p:clrMapOvr>
+</p:sld>
+</file>
+
+<file path=ppt/slides/slide11.xml><?xml version="1.0" encoding="utf-8"?>
+<p:sld xmlns:a="http://schemas.openxmlformats.org/drawingml/2006/main" xmlns:r="http://schemas.openxmlformats.org/officeDocument/2006/relationships" xmlns:p="http://schemas.openxmlformats.org/presentationml/2006/main">
+  <p:cSld>
+    <p:spTree>
+      <p:nvGrpSpPr>
+        <p:cNvPr id="1" name=""/>
+        <p:cNvGrpSpPr/>
+        <p:nvPr/>
+      </p:nvGrpSpPr>
+      <p:grpSpPr>
+        <a:xfrm>
+          <a:off x="0" y="0"/>
+          <a:ext cx="0" cy="0"/>
+          <a:chOff x="0" y="0"/>
+          <a:chExt cx="0" cy="0"/>
+        </a:xfrm>
+      </p:grpSpPr>
+      <p:sp>
+        <p:nvSpPr>
+          <p:cNvPr id="2" name="Title 1"/>
+          <p:cNvSpPr>
+            <a:spLocks noGrp="1"/>
+          </p:cNvSpPr>
+          <p:nvPr>
+            <p:ph type="title"/>
+          </p:nvPr>
+        </p:nvSpPr>
+        <p:spPr/>
+        <p:txBody>
+          <a:bodyPr/>
+          <a:lstStyle/>
+          <a:p>
+            <a:r>
+              <a:rPr lang="en-US" dirty="0" smtClean="0"/>
+              <a:t>Literature Cited</a:t>
+            </a:r>
+            <a:endParaRPr lang="en-US" dirty="0"/>
+          </a:p>
+        </p:txBody>
+      </p:sp>
+      <p:sp>
+        <p:nvSpPr>
+          <p:cNvPr id="3" name="Content Placeholder 2"/>
+          <p:cNvSpPr>
+            <a:spLocks noGrp="1"/>
+          </p:cNvSpPr>
+          <p:nvPr>
+            <p:ph idx="1"/>
+          </p:nvPr>
+        </p:nvSpPr>
+        <p:spPr/>
+        <p:txBody>
+          <a:bodyPr/>
+          <a:lstStyle/>
+          <a:p>
+            <a:r>
+              <a:rPr lang="en-US" dirty="0" err="1"/>
+              <a:t>Clow</a:t>
+            </a:r>
+            <a:r>
+              <a:rPr lang="en-US" dirty="0"/>
+              <a:t>, D. (2010). Changes in the Timing of Snowmelt and </a:t>
+            </a:r>
+            <a:r>
+              <a:rPr lang="en-US" dirty="0" err="1"/>
+              <a:t>Streamflow</a:t>
+            </a:r>
+            <a:r>
+              <a:rPr lang="en-US" dirty="0"/>
+              <a:t> in Colorado: A Response to Recent Warming. </a:t>
+            </a:r>
+            <a:r>
+              <a:rPr lang="en-US" i="1" dirty="0"/>
+              <a:t>Journal of Climate,</a:t>
+            </a:r>
+            <a:r>
+              <a:rPr lang="en-US" dirty="0"/>
+              <a:t> </a:t>
+            </a:r>
+            <a:r>
+              <a:rPr lang="en-US" i="1" dirty="0"/>
+              <a:t>23</a:t>
+            </a:r>
+            <a:r>
+              <a:rPr lang="en-US" dirty="0"/>
+              <a:t>(9), 2293-2306.</a:t>
+            </a:r>
+          </a:p>
+        </p:txBody>
+      </p:sp>
+    </p:spTree>
+    <p:extLst>
+      <p:ext uri="{BB962C8B-B14F-4D97-AF65-F5344CB8AC3E}">
+        <p14:creationId xmlns:p14="http://schemas.microsoft.com/office/powerpoint/2010/main" val="2788732566"/>
+      </p:ext>
+    </p:extLst>
+  </p:cSld>
+  <p:clrMapOvr>
+    <a:masterClrMapping/>
+  </p:clrMapOvr>
+</p:sld>
+</file>
+
 <file path=ppt/slides/slide2.xml><?xml version="1.0" encoding="utf-8"?>
 <p:sld xmlns:a="http://schemas.openxmlformats.org/drawingml/2006/main" xmlns:r="http://schemas.openxmlformats.org/officeDocument/2006/relationships" xmlns:p="http://schemas.openxmlformats.org/presentationml/2006/main">
   <p:cSld>
@@ -3908,7 +4241,7 @@
           <a:p>
             <a:r>
               <a:rPr lang="en-US" dirty="0" smtClean="0"/>
-              <a:t>South Fork Boise Watershed</a:t>
+              <a:t>Questions</a:t>
             </a:r>
             <a:endParaRPr lang="en-US" dirty="0"/>
           </a:p>
@@ -3929,12 +4262,27 @@
           <a:bodyPr/>
           <a:lstStyle/>
           <a:p>
-            <a:endParaRPr lang="en-US" dirty="0" smtClean="0"/>
-          </a:p>
-          <a:p>
+            <a:pPr>
+              <a:buFont typeface="Arial" panose="020B0604020202020204" pitchFamily="34" charset="0"/>
+              <a:buChar char="•"/>
+            </a:pPr>
             <a:r>
               <a:rPr lang="en-US" dirty="0" smtClean="0"/>
-              <a:t>Insert Map 1: State of Idaho, Boise, South Fork Boise Watershed.</a:t>
+              <a:t> Does the rate of snow melt in an area increase after a wildfire?</a:t>
+            </a:r>
+          </a:p>
+          <a:p>
+            <a:pPr>
+              <a:buFont typeface="Arial" panose="020B0604020202020204" pitchFamily="34" charset="0"/>
+              <a:buChar char="•"/>
+            </a:pPr>
+            <a:r>
+              <a:rPr lang="en-US" dirty="0"/>
+              <a:t> </a:t>
+            </a:r>
+            <a:r>
+              <a:rPr lang="en-US" dirty="0" smtClean="0"/>
+              <a:t>How does this change in rate of snow melt affect stream discharge?</a:t>
             </a:r>
             <a:endParaRPr lang="en-US" dirty="0"/>
           </a:p>
@@ -3943,7 +4291,7 @@
     </p:spTree>
     <p:extLst>
       <p:ext uri="{BB962C8B-B14F-4D97-AF65-F5344CB8AC3E}">
-        <p14:creationId xmlns:p14="http://schemas.microsoft.com/office/powerpoint/2010/main" val="1227496984"/>
+        <p14:creationId xmlns:p14="http://schemas.microsoft.com/office/powerpoint/2010/main" val="3988734115"/>
       </p:ext>
     </p:extLst>
   </p:cSld>
@@ -3987,7 +4335,7 @@
           <a:p>
             <a:r>
               <a:rPr lang="en-US" dirty="0" smtClean="0"/>
-              <a:t>Wildfires</a:t>
+              <a:t>Sources of Data</a:t>
             </a:r>
             <a:endParaRPr lang="en-US" dirty="0"/>
           </a:p>
@@ -4008,32 +4356,54 @@
           <a:bodyPr/>
           <a:lstStyle/>
           <a:p>
+            <a:pPr>
+              <a:buFont typeface="Arial" panose="020B0604020202020204" pitchFamily="34" charset="0"/>
+              <a:buChar char="•"/>
+            </a:pPr>
+            <a:r>
+              <a:rPr lang="en-US" dirty="0"/>
+              <a:t> </a:t>
+            </a:r>
             <a:r>
               <a:rPr lang="en-US" dirty="0" smtClean="0"/>
-              <a:t>Elk and Pony Complexes burned a combine ____ acres</a:t>
-            </a:r>
-          </a:p>
-          <a:p>
+              <a:t>Wildfire Boundaries: </a:t>
+            </a:r>
+          </a:p>
+          <a:p>
+            <a:pPr>
+              <a:buFont typeface="Arial" panose="020B0604020202020204" pitchFamily="34" charset="0"/>
+              <a:buChar char="•"/>
+            </a:pPr>
             <a:r>
               <a:rPr lang="en-US" dirty="0" smtClean="0"/>
-              <a:t>Burned ___ acres within South Fork Boise watershed</a:t>
-            </a:r>
-          </a:p>
-          <a:p>
-            <a:endParaRPr lang="en-US" dirty="0" smtClean="0"/>
-          </a:p>
-          <a:p>
+              <a:t> Snow Cover:</a:t>
+            </a:r>
+          </a:p>
+          <a:p>
+            <a:pPr>
+              <a:buFont typeface="Arial" panose="020B0604020202020204" pitchFamily="34" charset="0"/>
+              <a:buChar char="•"/>
+            </a:pPr>
+            <a:r>
+              <a:rPr lang="en-US" dirty="0"/>
+              <a:t> </a:t>
+            </a:r>
+            <a:r>
+              <a:rPr lang="en-US" dirty="0" err="1" smtClean="0"/>
+              <a:t>Streamflow</a:t>
+            </a:r>
             <a:r>
               <a:rPr lang="en-US" dirty="0" smtClean="0"/>
-              <a:t>Insert map watershed, and wildfires</a:t>
-            </a:r>
+              <a:t>: 						INSERT MAP OF STUDY AREA</a:t>
+            </a:r>
+            <a:endParaRPr lang="en-US" dirty="0"/>
           </a:p>
         </p:txBody>
       </p:sp>
     </p:spTree>
     <p:extLst>
       <p:ext uri="{BB962C8B-B14F-4D97-AF65-F5344CB8AC3E}">
-        <p14:creationId xmlns:p14="http://schemas.microsoft.com/office/powerpoint/2010/main" val="905195071"/>
+        <p14:creationId xmlns:p14="http://schemas.microsoft.com/office/powerpoint/2010/main" val="724955546"/>
       </p:ext>
     </p:extLst>
   </p:cSld>
@@ -4120,8 +4490,21 @@
           <a:p>
             <a:r>
               <a:rPr lang="en-US" dirty="0" smtClean="0"/>
-              <a:t>Stream Discharge– downloaded stream discharge at Neal Bridge and Anderson Dam stream gages</a:t>
-            </a:r>
+              <a:t>Stream </a:t>
+            </a:r>
+            <a:r>
+              <a:rPr lang="en-US" dirty="0" smtClean="0"/>
+              <a:t>Discharge–downloaded mean daily stream </a:t>
+            </a:r>
+            <a:r>
+              <a:rPr lang="en-US" dirty="0" smtClean="0"/>
+              <a:t>discharge at Neal Bridge and Anderson Dam stream </a:t>
+            </a:r>
+            <a:r>
+              <a:rPr lang="en-US" dirty="0" smtClean="0"/>
+              <a:t>gages from USGS </a:t>
+            </a:r>
+            <a:endParaRPr lang="en-US" dirty="0" smtClean="0"/>
           </a:p>
           <a:p>
             <a:pPr marL="0" indent="0">
@@ -4178,7 +4561,7 @@
           <a:p>
             <a:r>
               <a:rPr lang="en-US" dirty="0" smtClean="0"/>
-              <a:t>Map Two</a:t>
+              <a:t>Wildfires</a:t>
             </a:r>
             <a:endParaRPr lang="en-US" dirty="0"/>
           </a:p>
@@ -4201,16 +4584,30 @@
           <a:p>
             <a:r>
               <a:rPr lang="en-US" dirty="0" smtClean="0"/>
-              <a:t>Map 2: Watershed, Fires, 2 Stream Gages</a:t>
-            </a:r>
-            <a:endParaRPr lang="en-US" dirty="0"/>
+              <a:t>Elk and Pony Complexes burned a combine ____ acres</a:t>
+            </a:r>
+          </a:p>
+          <a:p>
+            <a:r>
+              <a:rPr lang="en-US" dirty="0" smtClean="0"/>
+              <a:t>Burned ___ acres within South Fork Boise watershed</a:t>
+            </a:r>
+          </a:p>
+          <a:p>
+            <a:endParaRPr lang="en-US" dirty="0" smtClean="0"/>
+          </a:p>
+          <a:p>
+            <a:r>
+              <a:rPr lang="en-US" dirty="0" smtClean="0"/>
+              <a:t>Insert map watershed, and wildfires</a:t>
+            </a:r>
           </a:p>
         </p:txBody>
       </p:sp>
     </p:spTree>
     <p:extLst>
       <p:ext uri="{BB962C8B-B14F-4D97-AF65-F5344CB8AC3E}">
-        <p14:creationId xmlns:p14="http://schemas.microsoft.com/office/powerpoint/2010/main" val="3856723232"/>
+        <p14:creationId xmlns:p14="http://schemas.microsoft.com/office/powerpoint/2010/main" val="905195071"/>
       </p:ext>
     </p:extLst>
   </p:cSld>
@@ -4408,39 +4805,167 @@
           </a:p>
         </p:txBody>
       </p:sp>
-      <p:pic>
-        <p:nvPicPr>
-          <p:cNvPr id="4" name="Content Placeholder 3"/>
-          <p:cNvPicPr>
-            <a:picLocks noGrp="1" noChangeAspect="1"/>
-          </p:cNvPicPr>
+      <p:sp>
+        <p:nvSpPr>
+          <p:cNvPr id="3" name="Content Placeholder 2"/>
+          <p:cNvSpPr>
+            <a:spLocks noGrp="1"/>
+          </p:cNvSpPr>
           <p:nvPr>
             <p:ph idx="1"/>
           </p:nvPr>
-        </p:nvPicPr>
-        <p:blipFill>
-          <a:blip r:embed="rId2">
-            <a:extLst>
-              <a:ext uri="{28A0092B-C50C-407E-A947-70E740481C1C}">
-                <a14:useLocalDpi xmlns:a14="http://schemas.microsoft.com/office/drawing/2010/main" val="0"/>
-              </a:ext>
-            </a:extLst>
-          </a:blip>
-          <a:stretch>
-            <a:fillRect/>
-          </a:stretch>
-        </p:blipFill>
-        <p:spPr>
-          <a:xfrm>
-            <a:off x="2694140" y="1968183"/>
-            <a:ext cx="6864679" cy="4022725"/>
-          </a:xfrm>
-        </p:spPr>
-      </p:pic>
+        </p:nvSpPr>
+        <p:spPr/>
+        <p:txBody>
+          <a:bodyPr/>
+          <a:lstStyle/>
+          <a:p>
+            <a:r>
+              <a:rPr lang="en-US" dirty="0" smtClean="0"/>
+              <a:t>Key Assumption: change in snow cover in drainage between Anderson Dam and Neal Bridge stream gages is about the same as the change in snow cover for the South Fork Boise River Watershed</a:t>
+            </a:r>
+            <a:endParaRPr lang="en-US" dirty="0"/>
+          </a:p>
+        </p:txBody>
+      </p:sp>
     </p:spTree>
     <p:extLst>
       <p:ext uri="{BB962C8B-B14F-4D97-AF65-F5344CB8AC3E}">
         <p14:creationId xmlns:p14="http://schemas.microsoft.com/office/powerpoint/2010/main" val="2431729031"/>
+      </p:ext>
+    </p:extLst>
+  </p:cSld>
+  <p:clrMapOvr>
+    <a:masterClrMapping/>
+  </p:clrMapOvr>
+</p:sld>
+</file>
+
+<file path=ppt/slides/slide9.xml><?xml version="1.0" encoding="utf-8"?>
+<p:sld xmlns:a="http://schemas.openxmlformats.org/drawingml/2006/main" xmlns:r="http://schemas.openxmlformats.org/officeDocument/2006/relationships" xmlns:p="http://schemas.openxmlformats.org/presentationml/2006/main">
+  <p:cSld>
+    <p:spTree>
+      <p:nvGrpSpPr>
+        <p:cNvPr id="1" name=""/>
+        <p:cNvGrpSpPr/>
+        <p:nvPr/>
+      </p:nvGrpSpPr>
+      <p:grpSpPr>
+        <a:xfrm>
+          <a:off x="0" y="0"/>
+          <a:ext cx="0" cy="0"/>
+          <a:chOff x="0" y="0"/>
+          <a:chExt cx="0" cy="0"/>
+        </a:xfrm>
+      </p:grpSpPr>
+      <p:sp>
+        <p:nvSpPr>
+          <p:cNvPr id="2" name="Title 1"/>
+          <p:cNvSpPr>
+            <a:spLocks noGrp="1"/>
+          </p:cNvSpPr>
+          <p:nvPr>
+            <p:ph type="title"/>
+          </p:nvPr>
+        </p:nvSpPr>
+        <p:spPr/>
+        <p:txBody>
+          <a:bodyPr/>
+          <a:lstStyle/>
+          <a:p>
+            <a:r>
+              <a:rPr lang="en-US" dirty="0" smtClean="0"/>
+              <a:t>Cumulative Discharge</a:t>
+            </a:r>
+            <a:endParaRPr lang="en-US" dirty="0"/>
+          </a:p>
+        </p:txBody>
+      </p:sp>
+      <p:sp>
+        <p:nvSpPr>
+          <p:cNvPr id="3" name="Content Placeholder 2"/>
+          <p:cNvSpPr>
+            <a:spLocks noGrp="1"/>
+          </p:cNvSpPr>
+          <p:nvPr>
+            <p:ph idx="1"/>
+          </p:nvPr>
+        </p:nvSpPr>
+        <p:spPr/>
+        <p:txBody>
+          <a:bodyPr/>
+          <a:lstStyle/>
+          <a:p>
+            <a:pPr>
+              <a:buFont typeface="Arial" panose="020B0604020202020204" pitchFamily="34" charset="0"/>
+              <a:buChar char="•"/>
+            </a:pPr>
+            <a:r>
+              <a:rPr lang="en-US" dirty="0"/>
+              <a:t> </a:t>
+            </a:r>
+            <a:r>
+              <a:rPr lang="en-US" dirty="0" smtClean="0"/>
+              <a:t>At time of 50% snowmelt, cumulative discharge is less than 50% </a:t>
+            </a:r>
+          </a:p>
+          <a:p>
+            <a:pPr lvl="1">
+              <a:buFont typeface="Arial" panose="020B0604020202020204" pitchFamily="34" charset="0"/>
+              <a:buChar char="•"/>
+            </a:pPr>
+            <a:r>
+              <a:rPr lang="en-US" dirty="0" smtClean="0"/>
+              <a:t>Discharge is a function of snow melt and rain</a:t>
+            </a:r>
+          </a:p>
+          <a:p>
+            <a:pPr>
+              <a:buFont typeface="Arial" panose="020B0604020202020204" pitchFamily="34" charset="0"/>
+              <a:buChar char="•"/>
+            </a:pPr>
+            <a:r>
+              <a:rPr lang="en-US" dirty="0" smtClean="0"/>
+              <a:t> Cumulative discharge pre-fire at 50% snow melt:</a:t>
+            </a:r>
+          </a:p>
+          <a:p>
+            <a:pPr>
+              <a:buFont typeface="Arial" panose="020B0604020202020204" pitchFamily="34" charset="0"/>
+              <a:buChar char="•"/>
+            </a:pPr>
+            <a:r>
+              <a:rPr lang="en-US" dirty="0"/>
+              <a:t> Cumulative discharge </a:t>
+            </a:r>
+            <a:r>
+              <a:rPr lang="en-US" dirty="0" smtClean="0"/>
+              <a:t>post-fire </a:t>
+            </a:r>
+            <a:r>
+              <a:rPr lang="en-US" dirty="0"/>
+              <a:t>at 50% snow melt</a:t>
+            </a:r>
+            <a:r>
+              <a:rPr lang="en-US" dirty="0" smtClean="0"/>
+              <a:t>:</a:t>
+            </a:r>
+            <a:r>
+              <a:rPr lang="en-US" dirty="0"/>
+              <a:t> </a:t>
+            </a:r>
+            <a:r>
+              <a:rPr lang="en-US" dirty="0" smtClean="0"/>
+              <a:t>16727/</a:t>
+            </a:r>
+            <a:endParaRPr lang="en-US" dirty="0"/>
+          </a:p>
+        </p:txBody>
+      </p:sp>
+    </p:spTree>
+    <p:extLst>
+      <p:ext uri="{BB962C8B-B14F-4D97-AF65-F5344CB8AC3E}">
+        <p14:creationId xmlns:p14="http://schemas.microsoft.com/office/powerpoint/2010/main" val="954551960"/>
       </p:ext>
     </p:extLst>
   </p:cSld>

--- a/courses/geog475_pres.pptx
+++ b/courses/geog475_pres.pptx
@@ -7,12 +7,12 @@
   <p:sldIdLst>
     <p:sldId id="256" r:id="rId2"/>
     <p:sldId id="269" r:id="rId3"/>
-    <p:sldId id="270" r:id="rId4"/>
-    <p:sldId id="264" r:id="rId5"/>
-    <p:sldId id="263" r:id="rId6"/>
-    <p:sldId id="261" r:id="rId7"/>
-    <p:sldId id="265" r:id="rId8"/>
-    <p:sldId id="262" r:id="rId9"/>
+    <p:sldId id="263" r:id="rId4"/>
+    <p:sldId id="270" r:id="rId5"/>
+    <p:sldId id="264" r:id="rId6"/>
+    <p:sldId id="265" r:id="rId7"/>
+    <p:sldId id="262" r:id="rId8"/>
+    <p:sldId id="271" r:id="rId9"/>
     <p:sldId id="268" r:id="rId10"/>
     <p:sldId id="266" r:id="rId11"/>
     <p:sldId id="267" r:id="rId12"/>
@@ -350,7 +350,7 @@
           <a:p>
             <a:fld id="{A91272D2-4505-4B30-9706-5E7E0AC84A40}" type="datetimeFigureOut">
               <a:rPr lang="en-US" smtClean="0"/>
-              <a:t>4/9/2018</a:t>
+              <a:t>4/11/2018</a:t>
             </a:fld>
             <a:endParaRPr lang="en-US"/>
           </a:p>
@@ -558,7 +558,7 @@
           <a:p>
             <a:fld id="{A91272D2-4505-4B30-9706-5E7E0AC84A40}" type="datetimeFigureOut">
               <a:rPr lang="en-US" smtClean="0"/>
-              <a:t>4/9/2018</a:t>
+              <a:t>4/11/2018</a:t>
             </a:fld>
             <a:endParaRPr lang="en-US"/>
           </a:p>
@@ -816,7 +816,7 @@
           <a:p>
             <a:fld id="{A91272D2-4505-4B30-9706-5E7E0AC84A40}" type="datetimeFigureOut">
               <a:rPr lang="en-US" smtClean="0"/>
-              <a:t>4/9/2018</a:t>
+              <a:t>4/11/2018</a:t>
             </a:fld>
             <a:endParaRPr lang="en-US"/>
           </a:p>
@@ -986,7 +986,7 @@
           <a:p>
             <a:fld id="{A91272D2-4505-4B30-9706-5E7E0AC84A40}" type="datetimeFigureOut">
               <a:rPr lang="en-US" smtClean="0"/>
-              <a:t>4/9/2018</a:t>
+              <a:t>4/11/2018</a:t>
             </a:fld>
             <a:endParaRPr lang="en-US"/>
           </a:p>
@@ -1323,7 +1323,7 @@
           <a:p>
             <a:fld id="{A91272D2-4505-4B30-9706-5E7E0AC84A40}" type="datetimeFigureOut">
               <a:rPr lang="en-US" smtClean="0"/>
-              <a:t>4/9/2018</a:t>
+              <a:t>4/11/2018</a:t>
             </a:fld>
             <a:endParaRPr lang="en-US"/>
           </a:p>
@@ -1598,7 +1598,7 @@
           <a:p>
             <a:fld id="{A91272D2-4505-4B30-9706-5E7E0AC84A40}" type="datetimeFigureOut">
               <a:rPr lang="en-US" smtClean="0"/>
-              <a:t>4/9/2018</a:t>
+              <a:t>4/11/2018</a:t>
             </a:fld>
             <a:endParaRPr lang="en-US"/>
           </a:p>
@@ -1977,7 +1977,7 @@
           <a:p>
             <a:fld id="{A91272D2-4505-4B30-9706-5E7E0AC84A40}" type="datetimeFigureOut">
               <a:rPr lang="en-US" smtClean="0"/>
-              <a:t>4/9/2018</a:t>
+              <a:t>4/11/2018</a:t>
             </a:fld>
             <a:endParaRPr lang="en-US"/>
           </a:p>
@@ -2095,7 +2095,7 @@
           <a:p>
             <a:fld id="{A91272D2-4505-4B30-9706-5E7E0AC84A40}" type="datetimeFigureOut">
               <a:rPr lang="en-US" smtClean="0"/>
-              <a:t>4/9/2018</a:t>
+              <a:t>4/11/2018</a:t>
             </a:fld>
             <a:endParaRPr lang="en-US"/>
           </a:p>
@@ -2268,7 +2268,7 @@
           <a:p>
             <a:fld id="{A91272D2-4505-4B30-9706-5E7E0AC84A40}" type="datetimeFigureOut">
               <a:rPr lang="en-US" smtClean="0"/>
-              <a:t>4/9/2018</a:t>
+              <a:t>4/11/2018</a:t>
             </a:fld>
             <a:endParaRPr lang="en-US"/>
           </a:p>
@@ -2624,7 +2624,7 @@
           <a:p>
             <a:fld id="{A91272D2-4505-4B30-9706-5E7E0AC84A40}" type="datetimeFigureOut">
               <a:rPr lang="en-US" smtClean="0"/>
-              <a:t>4/9/2018</a:t>
+              <a:t>4/11/2018</a:t>
             </a:fld>
             <a:endParaRPr lang="en-US"/>
           </a:p>
@@ -3003,7 +3003,7 @@
           <a:p>
             <a:fld id="{A91272D2-4505-4B30-9706-5E7E0AC84A40}" type="datetimeFigureOut">
               <a:rPr lang="en-US" smtClean="0"/>
-              <a:t>4/9/2018</a:t>
+              <a:t>4/11/2018</a:t>
             </a:fld>
             <a:endParaRPr lang="en-US"/>
           </a:p>
@@ -3292,7 +3292,7 @@
           <a:p>
             <a:fld id="{A91272D2-4505-4B30-9706-5E7E0AC84A40}" type="datetimeFigureOut">
               <a:rPr lang="en-US" smtClean="0"/>
-              <a:t>4/9/2018</a:t>
+              <a:t>4/11/2018</a:t>
             </a:fld>
             <a:endParaRPr lang="en-US"/>
           </a:p>
@@ -3833,12 +3833,15 @@
           </a:bodyPr>
           <a:lstStyle/>
           <a:p>
-            <a:pPr algn="ctr"/>
-            <a:r>
-              <a:rPr lang="en-US" sz="7200" dirty="0" smtClean="0"/>
-              <a:t>Effect of Wildfire on Snow Melt and Stream Discharge</a:t>
-            </a:r>
-            <a:endParaRPr lang="en-US" sz="7200" dirty="0"/>
+            <a:r>
+              <a:rPr lang="en-US" sz="6600" dirty="0" smtClean="0"/>
+              <a:t>Effect of Wildfire on Snow Melt and Stream </a:t>
+            </a:r>
+            <a:r>
+              <a:rPr lang="en-US" sz="6600" dirty="0" smtClean="0"/>
+              <a:t>Discharge</a:t>
+            </a:r>
+            <a:endParaRPr lang="en-US" sz="6600" dirty="0"/>
           </a:p>
         </p:txBody>
       </p:sp>
@@ -3953,13 +3956,19 @@
               <a:rPr lang="en-US" dirty="0" smtClean="0">
                 <a:sym typeface="Wingdings" panose="05000000000000000000" pitchFamily="2" charset="2"/>
               </a:rPr>
-              <a:t>Snow melts quicker </a:t>
+              <a:t>Snow melts </a:t>
             </a:r>
             <a:r>
               <a:rPr lang="en-US" dirty="0" smtClean="0">
                 <a:sym typeface="Wingdings" panose="05000000000000000000" pitchFamily="2" charset="2"/>
               </a:rPr>
-              <a:t>after fire than before fire</a:t>
+              <a:t>11 days earlier after </a:t>
+            </a:r>
+            <a:r>
+              <a:rPr lang="en-US" dirty="0" smtClean="0">
+                <a:sym typeface="Wingdings" panose="05000000000000000000" pitchFamily="2" charset="2"/>
+              </a:rPr>
+              <a:t>fire than before fire</a:t>
             </a:r>
           </a:p>
           <a:p>
@@ -3977,17 +3986,8 @@
               <a:rPr lang="en-US" dirty="0" smtClean="0">
                 <a:sym typeface="Wingdings" panose="05000000000000000000" pitchFamily="2" charset="2"/>
               </a:rPr>
-              <a:t>50% </a:t>
-            </a:r>
-            <a:r>
-              <a:rPr lang="en-US" dirty="0" smtClean="0">
-                <a:sym typeface="Wingdings" panose="05000000000000000000" pitchFamily="2" charset="2"/>
-              </a:rPr>
-              <a:t>Cumulative discharge </a:t>
-            </a:r>
-            <a:endParaRPr lang="en-US" dirty="0" smtClean="0">
-              <a:sym typeface="Wingdings" panose="05000000000000000000" pitchFamily="2" charset="2"/>
-            </a:endParaRPr>
+              <a:t>50% Cumulative discharge </a:t>
+            </a:r>
           </a:p>
           <a:p>
             <a:pPr>
@@ -4241,7 +4241,7 @@
           <a:p>
             <a:r>
               <a:rPr lang="en-US" dirty="0" smtClean="0"/>
-              <a:t>Questions</a:t>
+              <a:t>Problem Statement</a:t>
             </a:r>
             <a:endParaRPr lang="en-US" dirty="0"/>
           </a:p>
@@ -4268,7 +4268,27 @@
             </a:pPr>
             <a:r>
               <a:rPr lang="en-US" dirty="0" smtClean="0"/>
-              <a:t> Does the rate of snow melt in an area increase after a wildfire?</a:t>
+              <a:t> Does </a:t>
+            </a:r>
+            <a:r>
+              <a:rPr lang="en-US" dirty="0" smtClean="0"/>
+              <a:t>the </a:t>
+            </a:r>
+            <a:r>
+              <a:rPr lang="en-US" dirty="0" smtClean="0"/>
+              <a:t>rate and timing </a:t>
+            </a:r>
+            <a:r>
+              <a:rPr lang="en-US" dirty="0" smtClean="0"/>
+              <a:t>of snow melt in an area </a:t>
+            </a:r>
+            <a:r>
+              <a:rPr lang="en-US" dirty="0" smtClean="0"/>
+              <a:t>change after </a:t>
+            </a:r>
+            <a:r>
+              <a:rPr lang="en-US" dirty="0" smtClean="0"/>
+              <a:t>a wildfire?</a:t>
             </a:r>
           </a:p>
           <a:p>
@@ -4277,12 +4297,48 @@
               <a:buChar char="•"/>
             </a:pPr>
             <a:r>
+              <a:rPr lang="en-US" dirty="0" smtClean="0"/>
+              <a:t> </a:t>
+            </a:r>
+            <a:r>
+              <a:rPr lang="en-US" dirty="0" smtClean="0"/>
+              <a:t>How does </a:t>
+            </a:r>
+            <a:r>
+              <a:rPr lang="en-US" dirty="0" smtClean="0"/>
+              <a:t>do these changes affect stream </a:t>
+            </a:r>
+            <a:r>
+              <a:rPr lang="en-US" dirty="0" smtClean="0"/>
+              <a:t>discharge</a:t>
+            </a:r>
+            <a:r>
+              <a:rPr lang="en-US" dirty="0" smtClean="0"/>
+              <a:t>?</a:t>
+            </a:r>
+          </a:p>
+          <a:p>
+            <a:pPr>
+              <a:buFont typeface="Arial" panose="020B0604020202020204" pitchFamily="34" charset="0"/>
+              <a:buChar char="•"/>
+            </a:pPr>
+            <a:r>
+              <a:rPr lang="en-US" dirty="0" smtClean="0"/>
+              <a:t> Effectively looking at effect of remove of vegetation (by fire) on snow melt, runoff/discharge</a:t>
+            </a:r>
+          </a:p>
+          <a:p>
+            <a:pPr>
+              <a:buFont typeface="Arial" panose="020B0604020202020204" pitchFamily="34" charset="0"/>
+              <a:buChar char="•"/>
+            </a:pPr>
+            <a:r>
               <a:rPr lang="en-US" dirty="0"/>
               <a:t> </a:t>
             </a:r>
             <a:r>
               <a:rPr lang="en-US" dirty="0" smtClean="0"/>
-              <a:t>How does this change in rate of snow melt affect stream discharge?</a:t>
+              <a:t>Disclaimer—case study/proof of concept</a:t>
             </a:r>
             <a:endParaRPr lang="en-US" dirty="0"/>
           </a:p>
@@ -4335,7 +4391,7 @@
           <a:p>
             <a:r>
               <a:rPr lang="en-US" dirty="0" smtClean="0"/>
-              <a:t>Sources of Data</a:t>
+              <a:t>Study Site</a:t>
             </a:r>
             <a:endParaRPr lang="en-US" dirty="0"/>
           </a:p>
@@ -4356,54 +4412,32 @@
           <a:bodyPr/>
           <a:lstStyle/>
           <a:p>
-            <a:pPr>
-              <a:buFont typeface="Arial" panose="020B0604020202020204" pitchFamily="34" charset="0"/>
-              <a:buChar char="•"/>
-            </a:pPr>
-            <a:r>
-              <a:rPr lang="en-US" dirty="0"/>
-              <a:t> </a:t>
-            </a:r>
             <a:r>
               <a:rPr lang="en-US" dirty="0" smtClean="0"/>
-              <a:t>Wildfire Boundaries: </a:t>
-            </a:r>
-          </a:p>
-          <a:p>
-            <a:pPr>
-              <a:buFont typeface="Arial" panose="020B0604020202020204" pitchFamily="34" charset="0"/>
-              <a:buChar char="•"/>
-            </a:pPr>
+              <a:t>Elk and Pony Complexes burned a combine ____ acres</a:t>
+            </a:r>
+          </a:p>
+          <a:p>
             <a:r>
               <a:rPr lang="en-US" dirty="0" smtClean="0"/>
-              <a:t> Snow Cover:</a:t>
-            </a:r>
-          </a:p>
-          <a:p>
-            <a:pPr>
-              <a:buFont typeface="Arial" panose="020B0604020202020204" pitchFamily="34" charset="0"/>
-              <a:buChar char="•"/>
-            </a:pPr>
-            <a:r>
-              <a:rPr lang="en-US" dirty="0"/>
-              <a:t> </a:t>
-            </a:r>
-            <a:r>
-              <a:rPr lang="en-US" dirty="0" err="1" smtClean="0"/>
-              <a:t>Streamflow</a:t>
-            </a:r>
+              <a:t>Burned ___ acres within South Fork Boise watershed</a:t>
+            </a:r>
+          </a:p>
+          <a:p>
+            <a:endParaRPr lang="en-US" dirty="0" smtClean="0"/>
+          </a:p>
+          <a:p>
             <a:r>
               <a:rPr lang="en-US" dirty="0" smtClean="0"/>
-              <a:t>: 						INSERT MAP OF STUDY AREA</a:t>
-            </a:r>
-            <a:endParaRPr lang="en-US" dirty="0"/>
+              <a:t>Insert map watershed, and wildfires</a:t>
+            </a:r>
           </a:p>
         </p:txBody>
       </p:sp>
     </p:spTree>
     <p:extLst>
       <p:ext uri="{BB962C8B-B14F-4D97-AF65-F5344CB8AC3E}">
-        <p14:creationId xmlns:p14="http://schemas.microsoft.com/office/powerpoint/2010/main" val="724955546"/>
+        <p14:creationId xmlns:p14="http://schemas.microsoft.com/office/powerpoint/2010/main" val="905195071"/>
       </p:ext>
     </p:extLst>
   </p:cSld>
@@ -4447,7 +4481,7 @@
           <a:p>
             <a:r>
               <a:rPr lang="en-US" dirty="0" smtClean="0"/>
-              <a:t>Methods</a:t>
+              <a:t>Sources of Data</a:t>
             </a:r>
             <a:endParaRPr lang="en-US" dirty="0"/>
           </a:p>
@@ -4468,48 +4502,68 @@
           <a:bodyPr/>
           <a:lstStyle/>
           <a:p>
+            <a:pPr>
+              <a:buFont typeface="Arial" panose="020B0604020202020204" pitchFamily="34" charset="0"/>
+              <a:buChar char="•"/>
+            </a:pPr>
+            <a:r>
+              <a:rPr lang="en-US" dirty="0"/>
+              <a:t> </a:t>
+            </a:r>
             <a:r>
               <a:rPr lang="en-US" dirty="0" smtClean="0"/>
-              <a:t>Clipped wildfire </a:t>
+              <a:t>Wildfire Boundaries: </a:t>
+            </a:r>
+          </a:p>
+          <a:p>
+            <a:pPr>
+              <a:buFont typeface="Arial" panose="020B0604020202020204" pitchFamily="34" charset="0"/>
+              <a:buChar char="•"/>
+            </a:pPr>
+            <a:r>
+              <a:rPr lang="en-US" dirty="0" smtClean="0"/>
+              <a:t> Snow Cover:</a:t>
+            </a:r>
+          </a:p>
+          <a:p>
+            <a:pPr>
+              <a:buFont typeface="Arial" panose="020B0604020202020204" pitchFamily="34" charset="0"/>
+              <a:buChar char="•"/>
+            </a:pPr>
+            <a:r>
+              <a:rPr lang="en-US" dirty="0"/>
+              <a:t> </a:t>
             </a:r>
             <a:r>
               <a:rPr lang="en-US" dirty="0" err="1" smtClean="0"/>
-              <a:t>shapefiles</a:t>
+              <a:t>Streamflow</a:t>
             </a:r>
             <a:r>
               <a:rPr lang="en-US" dirty="0" smtClean="0"/>
-              <a:t> to watershed</a:t>
-            </a:r>
-          </a:p>
-          <a:p>
+              <a:t>: </a:t>
+            </a:r>
+            <a:r>
+              <a:rPr lang="en-US" dirty="0"/>
+              <a:t>downloaded mean daily stream discharge at Neal Bridge and Anderson Dam stream gages </a:t>
+            </a:r>
             <a:r>
               <a:rPr lang="en-US" dirty="0" smtClean="0"/>
-              <a:t>Snow melt– </a:t>
-            </a:r>
-          </a:p>
-          <a:p>
+              <a:t>on the South Fork Boise River from USGS </a:t>
+            </a:r>
+            <a:r>
+              <a:rPr lang="en-US" dirty="0"/>
+              <a:t>National Water Information System</a:t>
+            </a:r>
+          </a:p>
+          <a:p>
+            <a:pPr>
+              <a:buFont typeface="Arial" panose="020B0604020202020204" pitchFamily="34" charset="0"/>
+              <a:buChar char="•"/>
+            </a:pPr>
             <a:r>
               <a:rPr lang="en-US" dirty="0" smtClean="0"/>
-              <a:t>Stream </a:t>
-            </a:r>
-            <a:r>
-              <a:rPr lang="en-US" dirty="0" smtClean="0"/>
-              <a:t>Discharge–downloaded mean daily stream </a:t>
-            </a:r>
-            <a:r>
-              <a:rPr lang="en-US" dirty="0" smtClean="0"/>
-              <a:t>discharge at Neal Bridge and Anderson Dam stream </a:t>
-            </a:r>
-            <a:r>
-              <a:rPr lang="en-US" dirty="0" smtClean="0"/>
-              <a:t>gages from USGS </a:t>
-            </a:r>
-            <a:endParaRPr lang="en-US" dirty="0" smtClean="0"/>
-          </a:p>
-          <a:p>
-            <a:pPr marL="0" indent="0">
-              <a:buNone/>
-            </a:pPr>
+              <a:t>						INSERT MAP OF STUDY AREA</a:t>
+            </a:r>
             <a:endParaRPr lang="en-US" dirty="0"/>
           </a:p>
         </p:txBody>
@@ -4517,7 +4571,7 @@
     </p:spTree>
     <p:extLst>
       <p:ext uri="{BB962C8B-B14F-4D97-AF65-F5344CB8AC3E}">
-        <p14:creationId xmlns:p14="http://schemas.microsoft.com/office/powerpoint/2010/main" val="32834187"/>
+        <p14:creationId xmlns:p14="http://schemas.microsoft.com/office/powerpoint/2010/main" val="724955546"/>
       </p:ext>
     </p:extLst>
   </p:cSld>
@@ -4561,7 +4615,7 @@
           <a:p>
             <a:r>
               <a:rPr lang="en-US" dirty="0" smtClean="0"/>
-              <a:t>Wildfires</a:t>
+              <a:t>Methods</a:t>
             </a:r>
             <a:endParaRPr lang="en-US" dirty="0"/>
           </a:p>
@@ -4584,30 +4638,81 @@
           <a:p>
             <a:r>
               <a:rPr lang="en-US" dirty="0" smtClean="0"/>
-              <a:t>Elk and Pony Complexes burned a combine ____ acres</a:t>
-            </a:r>
-          </a:p>
-          <a:p>
+              <a:t>1. Clipped </a:t>
+            </a:r>
             <a:r>
               <a:rPr lang="en-US" dirty="0" smtClean="0"/>
-              <a:t>Burned ___ acres within South Fork Boise watershed</a:t>
+              <a:t>wildfire </a:t>
+            </a:r>
+            <a:r>
+              <a:rPr lang="en-US" dirty="0" err="1" smtClean="0"/>
+              <a:t>shapefiles</a:t>
+            </a:r>
+            <a:r>
+              <a:rPr lang="en-US" dirty="0" smtClean="0"/>
+              <a:t> to watershed</a:t>
+            </a:r>
+          </a:p>
+          <a:p>
+            <a:r>
+              <a:rPr lang="en-US" dirty="0" smtClean="0"/>
+              <a:t>2. Snow </a:t>
+            </a:r>
+            <a:r>
+              <a:rPr lang="en-US" dirty="0" smtClean="0"/>
+              <a:t>melt– </a:t>
+            </a:r>
+          </a:p>
+          <a:p>
+            <a:r>
+              <a:rPr lang="en-US" dirty="0" smtClean="0"/>
+              <a:t>3. Stream Discharge</a:t>
+            </a:r>
+          </a:p>
+          <a:p>
+            <a:pPr lvl="1"/>
+            <a:r>
+              <a:rPr lang="en-US" dirty="0" smtClean="0"/>
+              <a:t>plotted discharge at two stream gages</a:t>
+            </a:r>
+          </a:p>
+          <a:p>
+            <a:pPr lvl="1"/>
+            <a:r>
+              <a:rPr lang="en-US" dirty="0" smtClean="0"/>
+              <a:t>Plotted difference between gages, and resulting cumulative discharge</a:t>
+            </a:r>
+          </a:p>
+          <a:p>
+            <a:pPr lvl="1"/>
+            <a:r>
+              <a:rPr lang="en-US" dirty="0" err="1" smtClean="0"/>
+              <a:t>Overlayed</a:t>
+            </a:r>
+            <a:r>
+              <a:rPr lang="en-US" dirty="0" smtClean="0"/>
+              <a:t> snow melt regression on stream gage graphs</a:t>
             </a:r>
           </a:p>
           <a:p>
             <a:endParaRPr lang="en-US" dirty="0" smtClean="0"/>
           </a:p>
           <a:p>
-            <a:r>
-              <a:rPr lang="en-US" dirty="0" smtClean="0"/>
-              <a:t>Insert map watershed, and wildfires</a:t>
-            </a:r>
+            <a:pPr lvl="1"/>
+            <a:endParaRPr lang="en-US" dirty="0" smtClean="0"/>
+          </a:p>
+          <a:p>
+            <a:pPr marL="0" indent="0">
+              <a:buNone/>
+            </a:pPr>
+            <a:endParaRPr lang="en-US" dirty="0"/>
           </a:p>
         </p:txBody>
       </p:sp>
     </p:spTree>
     <p:extLst>
       <p:ext uri="{BB962C8B-B14F-4D97-AF65-F5344CB8AC3E}">
-        <p14:creationId xmlns:p14="http://schemas.microsoft.com/office/powerpoint/2010/main" val="905195071"/>
+        <p14:creationId xmlns:p14="http://schemas.microsoft.com/office/powerpoint/2010/main" val="32834187"/>
       </p:ext>
     </p:extLst>
   </p:cSld>
@@ -4651,7 +4756,11 @@
           <a:p>
             <a:r>
               <a:rPr lang="en-US" dirty="0" smtClean="0"/>
-              <a:t>Snow Melt</a:t>
+              <a:t>Results: Stream </a:t>
+            </a:r>
+            <a:r>
+              <a:rPr lang="en-US" dirty="0" smtClean="0"/>
+              <a:t>Discharge</a:t>
             </a:r>
             <a:endParaRPr lang="en-US" dirty="0"/>
           </a:p>
@@ -4672,14 +4781,44 @@
           <a:bodyPr/>
           <a:lstStyle/>
           <a:p>
-            <a:endParaRPr lang="en-US"/>
-          </a:p>
-        </p:txBody>
-      </p:sp>
+            <a:endParaRPr lang="en-US" dirty="0"/>
+          </a:p>
+        </p:txBody>
+      </p:sp>
+      <p:pic>
+        <p:nvPicPr>
+          <p:cNvPr id="4" name="Picture 3"/>
+          <p:cNvPicPr>
+            <a:picLocks noChangeAspect="1"/>
+          </p:cNvPicPr>
+          <p:nvPr/>
+        </p:nvPicPr>
+        <p:blipFill>
+          <a:blip r:embed="rId2">
+            <a:extLst>
+              <a:ext uri="{28A0092B-C50C-407E-A947-70E740481C1C}">
+                <a14:useLocalDpi xmlns:a14="http://schemas.microsoft.com/office/drawing/2010/main" val="0"/>
+              </a:ext>
+            </a:extLst>
+          </a:blip>
+          <a:stretch>
+            <a:fillRect/>
+          </a:stretch>
+        </p:blipFill>
+        <p:spPr>
+          <a:xfrm>
+            <a:off x="2709015" y="1789342"/>
+            <a:ext cx="6922095" cy="4500333"/>
+          </a:xfrm>
+          <a:prstGeom prst="rect">
+            <a:avLst/>
+          </a:prstGeom>
+        </p:spPr>
+      </p:pic>
     </p:spTree>
     <p:extLst>
       <p:ext uri="{BB962C8B-B14F-4D97-AF65-F5344CB8AC3E}">
-        <p14:creationId xmlns:p14="http://schemas.microsoft.com/office/powerpoint/2010/main" val="48884014"/>
+        <p14:creationId xmlns:p14="http://schemas.microsoft.com/office/powerpoint/2010/main" val="698201213"/>
       </p:ext>
     </p:extLst>
   </p:cSld>
@@ -4723,7 +4862,11 @@
           <a:p>
             <a:r>
               <a:rPr lang="en-US" dirty="0" smtClean="0"/>
-              <a:t>Stream Discharge</a:t>
+              <a:t>Results: Stream </a:t>
+            </a:r>
+            <a:r>
+              <a:rPr lang="en-US" dirty="0" smtClean="0"/>
+              <a:t>Discharge Difference</a:t>
             </a:r>
             <a:endParaRPr lang="en-US" dirty="0"/>
           </a:p>
@@ -4739,23 +4882,83 @@
             <p:ph idx="1"/>
           </p:nvPr>
         </p:nvSpPr>
-        <p:spPr/>
+        <p:spPr>
+          <a:xfrm>
+            <a:off x="1097280" y="1845734"/>
+            <a:ext cx="3735367" cy="4023360"/>
+          </a:xfrm>
+        </p:spPr>
         <p:txBody>
           <a:bodyPr/>
           <a:lstStyle/>
           <a:p>
             <a:r>
               <a:rPr lang="en-US" dirty="0" smtClean="0"/>
-              <a:t>Insert Graphs at Neal Bridge and Anderson Dam</a:t>
+              <a:t>Key Assumption: change in snow cover in drainage between Anderson Dam and Neal Bridge stream gages is about the same as the change in snow cover for the South Fork Boise River </a:t>
+            </a:r>
+            <a:r>
+              <a:rPr lang="en-US" dirty="0" smtClean="0"/>
+              <a:t>Watershed</a:t>
+            </a:r>
+          </a:p>
+          <a:p>
+            <a:pPr lvl="1"/>
+            <a:r>
+              <a:rPr lang="en-US" dirty="0" smtClean="0"/>
+              <a:t>Peak Discharge:</a:t>
+            </a:r>
+          </a:p>
+          <a:p>
+            <a:pPr lvl="2"/>
+            <a:r>
+              <a:rPr lang="en-US" dirty="0" smtClean="0"/>
+              <a:t>Pre-fire: 3/16/2012</a:t>
+            </a:r>
+          </a:p>
+          <a:p>
+            <a:pPr lvl="2"/>
+            <a:r>
+              <a:rPr lang="en-US" dirty="0" smtClean="0"/>
+              <a:t>Post-fire: 2/15/2014</a:t>
             </a:r>
             <a:endParaRPr lang="en-US" dirty="0"/>
           </a:p>
         </p:txBody>
       </p:sp>
+      <p:pic>
+        <p:nvPicPr>
+          <p:cNvPr id="4" name="Picture 3"/>
+          <p:cNvPicPr>
+            <a:picLocks noChangeAspect="1"/>
+          </p:cNvPicPr>
+          <p:nvPr/>
+        </p:nvPicPr>
+        <p:blipFill>
+          <a:blip r:embed="rId2">
+            <a:extLst>
+              <a:ext uri="{28A0092B-C50C-407E-A947-70E740481C1C}">
+                <a14:useLocalDpi xmlns:a14="http://schemas.microsoft.com/office/drawing/2010/main" val="0"/>
+              </a:ext>
+            </a:extLst>
+          </a:blip>
+          <a:stretch>
+            <a:fillRect/>
+          </a:stretch>
+        </p:blipFill>
+        <p:spPr>
+          <a:xfrm>
+            <a:off x="4915482" y="1845734"/>
+            <a:ext cx="6240198" cy="3656777"/>
+          </a:xfrm>
+          <a:prstGeom prst="rect">
+            <a:avLst/>
+          </a:prstGeom>
+        </p:spPr>
+      </p:pic>
     </p:spTree>
     <p:extLst>
       <p:ext uri="{BB962C8B-B14F-4D97-AF65-F5344CB8AC3E}">
-        <p14:creationId xmlns:p14="http://schemas.microsoft.com/office/powerpoint/2010/main" val="698201213"/>
+        <p14:creationId xmlns:p14="http://schemas.microsoft.com/office/powerpoint/2010/main" val="2431729031"/>
       </p:ext>
     </p:extLst>
   </p:cSld>
@@ -4799,30 +5002,326 @@
           <a:p>
             <a:r>
               <a:rPr lang="en-US" dirty="0" smtClean="0"/>
-              <a:t>Stream Discharge Difference</a:t>
+              <a:t>Results: Snow melt</a:t>
             </a:r>
             <a:endParaRPr lang="en-US" dirty="0"/>
           </a:p>
         </p:txBody>
       </p:sp>
-      <p:sp>
-        <p:nvSpPr>
-          <p:cNvPr id="3" name="Content Placeholder 2"/>
-          <p:cNvSpPr>
-            <a:spLocks noGrp="1"/>
-          </p:cNvSpPr>
+      <p:pic>
+        <p:nvPicPr>
+          <p:cNvPr id="4" name="Content Placeholder 3"/>
+          <p:cNvPicPr>
+            <a:picLocks noGrp="1" noChangeAspect="1"/>
+          </p:cNvPicPr>
           <p:nvPr>
             <p:ph idx="1"/>
           </p:nvPr>
-        </p:nvSpPr>
-        <p:spPr/>
-        <p:txBody>
-          <a:bodyPr/>
-          <a:lstStyle/>
+        </p:nvPicPr>
+        <p:blipFill>
+          <a:blip r:embed="rId2">
+            <a:extLst>
+              <a:ext uri="{28A0092B-C50C-407E-A947-70E740481C1C}">
+                <a14:useLocalDpi xmlns:a14="http://schemas.microsoft.com/office/drawing/2010/main" val="0"/>
+              </a:ext>
+            </a:extLst>
+          </a:blip>
+          <a:stretch>
+            <a:fillRect/>
+          </a:stretch>
+        </p:blipFill>
+        <p:spPr>
+          <a:xfrm>
+            <a:off x="5131909" y="1815812"/>
+            <a:ext cx="6023771" cy="3916297"/>
+          </a:xfrm>
+        </p:spPr>
+      </p:pic>
+      <p:sp>
+        <p:nvSpPr>
+          <p:cNvPr id="5" name="Content Placeholder 2"/>
+          <p:cNvSpPr txBox="1">
+            <a:spLocks/>
+          </p:cNvSpPr>
+          <p:nvPr/>
+        </p:nvSpPr>
+        <p:spPr>
+          <a:xfrm>
+            <a:off x="1097280" y="1845734"/>
+            <a:ext cx="3902010" cy="4023360"/>
+          </a:xfrm>
+          <a:prstGeom prst="rect">
+            <a:avLst/>
+          </a:prstGeom>
+        </p:spPr>
+        <p:txBody>
+          <a:bodyPr vert="horz" lIns="0" tIns="45720" rIns="0" bIns="45720" rtlCol="0">
+            <a:normAutofit/>
+          </a:bodyPr>
+          <a:lstStyle>
+            <a:lvl1pPr marL="91440" indent="-91440" algn="l" defTabSz="914400" rtl="0" eaLnBrk="1" latinLnBrk="0" hangingPunct="1">
+              <a:lnSpc>
+                <a:spcPct val="90000"/>
+              </a:lnSpc>
+              <a:spcBef>
+                <a:spcPts val="1200"/>
+              </a:spcBef>
+              <a:spcAft>
+                <a:spcPts val="200"/>
+              </a:spcAft>
+              <a:buClr>
+                <a:schemeClr val="accent1"/>
+              </a:buClr>
+              <a:buSzPct val="100000"/>
+              <a:buFont typeface="Calibri" panose="020F0502020204030204" pitchFamily="34" charset="0"/>
+              <a:buChar char=" "/>
+              <a:defRPr sz="2000" kern="1200">
+                <a:solidFill>
+                  <a:schemeClr val="tx1">
+                    <a:lumMod val="75000"/>
+                    <a:lumOff val="25000"/>
+                  </a:schemeClr>
+                </a:solidFill>
+                <a:latin typeface="+mn-lt"/>
+                <a:ea typeface="+mn-ea"/>
+                <a:cs typeface="+mn-cs"/>
+              </a:defRPr>
+            </a:lvl1pPr>
+            <a:lvl2pPr marL="384048" indent="-182880" algn="l" defTabSz="914400" rtl="0" eaLnBrk="1" latinLnBrk="0" hangingPunct="1">
+              <a:lnSpc>
+                <a:spcPct val="90000"/>
+              </a:lnSpc>
+              <a:spcBef>
+                <a:spcPts val="200"/>
+              </a:spcBef>
+              <a:spcAft>
+                <a:spcPts val="400"/>
+              </a:spcAft>
+              <a:buClr>
+                <a:schemeClr val="accent1"/>
+              </a:buClr>
+              <a:buFont typeface="Calibri" pitchFamily="34" charset="0"/>
+              <a:buChar char="◦"/>
+              <a:defRPr sz="1800" kern="1200">
+                <a:solidFill>
+                  <a:schemeClr val="tx1">
+                    <a:lumMod val="75000"/>
+                    <a:lumOff val="25000"/>
+                  </a:schemeClr>
+                </a:solidFill>
+                <a:latin typeface="+mn-lt"/>
+                <a:ea typeface="+mn-ea"/>
+                <a:cs typeface="+mn-cs"/>
+              </a:defRPr>
+            </a:lvl2pPr>
+            <a:lvl3pPr marL="566928" indent="-182880" algn="l" defTabSz="914400" rtl="0" eaLnBrk="1" latinLnBrk="0" hangingPunct="1">
+              <a:lnSpc>
+                <a:spcPct val="90000"/>
+              </a:lnSpc>
+              <a:spcBef>
+                <a:spcPts val="200"/>
+              </a:spcBef>
+              <a:spcAft>
+                <a:spcPts val="400"/>
+              </a:spcAft>
+              <a:buClr>
+                <a:schemeClr val="accent1"/>
+              </a:buClr>
+              <a:buFont typeface="Calibri" pitchFamily="34" charset="0"/>
+              <a:buChar char="◦"/>
+              <a:defRPr sz="1400" kern="1200">
+                <a:solidFill>
+                  <a:schemeClr val="tx1">
+                    <a:lumMod val="75000"/>
+                    <a:lumOff val="25000"/>
+                  </a:schemeClr>
+                </a:solidFill>
+                <a:latin typeface="+mn-lt"/>
+                <a:ea typeface="+mn-ea"/>
+                <a:cs typeface="+mn-cs"/>
+              </a:defRPr>
+            </a:lvl3pPr>
+            <a:lvl4pPr marL="749808" indent="-182880" algn="l" defTabSz="914400" rtl="0" eaLnBrk="1" latinLnBrk="0" hangingPunct="1">
+              <a:lnSpc>
+                <a:spcPct val="90000"/>
+              </a:lnSpc>
+              <a:spcBef>
+                <a:spcPts val="200"/>
+              </a:spcBef>
+              <a:spcAft>
+                <a:spcPts val="400"/>
+              </a:spcAft>
+              <a:buClr>
+                <a:schemeClr val="accent1"/>
+              </a:buClr>
+              <a:buFont typeface="Calibri" pitchFamily="34" charset="0"/>
+              <a:buChar char="◦"/>
+              <a:defRPr sz="1400" kern="1200">
+                <a:solidFill>
+                  <a:schemeClr val="tx1">
+                    <a:lumMod val="75000"/>
+                    <a:lumOff val="25000"/>
+                  </a:schemeClr>
+                </a:solidFill>
+                <a:latin typeface="+mn-lt"/>
+                <a:ea typeface="+mn-ea"/>
+                <a:cs typeface="+mn-cs"/>
+              </a:defRPr>
+            </a:lvl4pPr>
+            <a:lvl5pPr marL="932688" indent="-182880" algn="l" defTabSz="914400" rtl="0" eaLnBrk="1" latinLnBrk="0" hangingPunct="1">
+              <a:lnSpc>
+                <a:spcPct val="90000"/>
+              </a:lnSpc>
+              <a:spcBef>
+                <a:spcPts val="200"/>
+              </a:spcBef>
+              <a:spcAft>
+                <a:spcPts val="400"/>
+              </a:spcAft>
+              <a:buClr>
+                <a:schemeClr val="accent1"/>
+              </a:buClr>
+              <a:buFont typeface="Calibri" pitchFamily="34" charset="0"/>
+              <a:buChar char="◦"/>
+              <a:defRPr sz="1400" kern="1200">
+                <a:solidFill>
+                  <a:schemeClr val="tx1">
+                    <a:lumMod val="75000"/>
+                    <a:lumOff val="25000"/>
+                  </a:schemeClr>
+                </a:solidFill>
+                <a:latin typeface="+mn-lt"/>
+                <a:ea typeface="+mn-ea"/>
+                <a:cs typeface="+mn-cs"/>
+              </a:defRPr>
+            </a:lvl5pPr>
+            <a:lvl6pPr marL="1100000" indent="-228600" algn="l" defTabSz="914400" rtl="0" eaLnBrk="1" latinLnBrk="0" hangingPunct="1">
+              <a:lnSpc>
+                <a:spcPct val="90000"/>
+              </a:lnSpc>
+              <a:spcBef>
+                <a:spcPts val="200"/>
+              </a:spcBef>
+              <a:spcAft>
+                <a:spcPts val="400"/>
+              </a:spcAft>
+              <a:buClr>
+                <a:schemeClr val="accent1"/>
+              </a:buClr>
+              <a:buFont typeface="Calibri" pitchFamily="34" charset="0"/>
+              <a:buChar char="◦"/>
+              <a:defRPr sz="1400" kern="1200">
+                <a:solidFill>
+                  <a:schemeClr val="tx1">
+                    <a:lumMod val="75000"/>
+                    <a:lumOff val="25000"/>
+                  </a:schemeClr>
+                </a:solidFill>
+                <a:latin typeface="+mn-lt"/>
+                <a:ea typeface="+mn-ea"/>
+                <a:cs typeface="+mn-cs"/>
+              </a:defRPr>
+            </a:lvl6pPr>
+            <a:lvl7pPr marL="1300000" indent="-228600" algn="l" defTabSz="914400" rtl="0" eaLnBrk="1" latinLnBrk="0" hangingPunct="1">
+              <a:lnSpc>
+                <a:spcPct val="90000"/>
+              </a:lnSpc>
+              <a:spcBef>
+                <a:spcPts val="200"/>
+              </a:spcBef>
+              <a:spcAft>
+                <a:spcPts val="400"/>
+              </a:spcAft>
+              <a:buClr>
+                <a:schemeClr val="accent1"/>
+              </a:buClr>
+              <a:buFont typeface="Calibri" pitchFamily="34" charset="0"/>
+              <a:buChar char="◦"/>
+              <a:defRPr sz="1400" kern="1200">
+                <a:solidFill>
+                  <a:schemeClr val="tx1">
+                    <a:lumMod val="75000"/>
+                    <a:lumOff val="25000"/>
+                  </a:schemeClr>
+                </a:solidFill>
+                <a:latin typeface="+mn-lt"/>
+                <a:ea typeface="+mn-ea"/>
+                <a:cs typeface="+mn-cs"/>
+              </a:defRPr>
+            </a:lvl7pPr>
+            <a:lvl8pPr marL="1500000" indent="-228600" algn="l" defTabSz="914400" rtl="0" eaLnBrk="1" latinLnBrk="0" hangingPunct="1">
+              <a:lnSpc>
+                <a:spcPct val="90000"/>
+              </a:lnSpc>
+              <a:spcBef>
+                <a:spcPts val="200"/>
+              </a:spcBef>
+              <a:spcAft>
+                <a:spcPts val="400"/>
+              </a:spcAft>
+              <a:buClr>
+                <a:schemeClr val="accent1"/>
+              </a:buClr>
+              <a:buFont typeface="Calibri" pitchFamily="34" charset="0"/>
+              <a:buChar char="◦"/>
+              <a:defRPr sz="1400" kern="1200">
+                <a:solidFill>
+                  <a:schemeClr val="tx1">
+                    <a:lumMod val="75000"/>
+                    <a:lumOff val="25000"/>
+                  </a:schemeClr>
+                </a:solidFill>
+                <a:latin typeface="+mn-lt"/>
+                <a:ea typeface="+mn-ea"/>
+                <a:cs typeface="+mn-cs"/>
+              </a:defRPr>
+            </a:lvl8pPr>
+            <a:lvl9pPr marL="1700000" indent="-228600" algn="l" defTabSz="914400" rtl="0" eaLnBrk="1" latinLnBrk="0" hangingPunct="1">
+              <a:lnSpc>
+                <a:spcPct val="90000"/>
+              </a:lnSpc>
+              <a:spcBef>
+                <a:spcPts val="200"/>
+              </a:spcBef>
+              <a:spcAft>
+                <a:spcPts val="400"/>
+              </a:spcAft>
+              <a:buClr>
+                <a:schemeClr val="accent1"/>
+              </a:buClr>
+              <a:buFont typeface="Calibri" pitchFamily="34" charset="0"/>
+              <a:buChar char="◦"/>
+              <a:defRPr sz="1400" kern="1200">
+                <a:solidFill>
+                  <a:schemeClr val="tx1">
+                    <a:lumMod val="75000"/>
+                    <a:lumOff val="25000"/>
+                  </a:schemeClr>
+                </a:solidFill>
+                <a:latin typeface="+mn-lt"/>
+                <a:ea typeface="+mn-ea"/>
+                <a:cs typeface="+mn-cs"/>
+              </a:defRPr>
+            </a:lvl9pPr>
+          </a:lstStyle>
           <a:p>
             <a:r>
               <a:rPr lang="en-US" dirty="0" smtClean="0"/>
-              <a:t>Key Assumption: change in snow cover in drainage between Anderson Dam and Neal Bridge stream gages is about the same as the change in snow cover for the South Fork Boise River Watershed</a:t>
+              <a:t>50% snow melt 11 days earlier post-fire:</a:t>
+            </a:r>
+          </a:p>
+          <a:p>
+            <a:pPr lvl="1"/>
+            <a:r>
+              <a:rPr lang="en-US" dirty="0" smtClean="0"/>
+              <a:t>Pre-fire: 4/19/2012</a:t>
+            </a:r>
+          </a:p>
+          <a:p>
+            <a:pPr lvl="1"/>
+            <a:r>
+              <a:rPr lang="en-US" dirty="0" smtClean="0"/>
+              <a:t>Post-fire: 4/08/2014</a:t>
             </a:r>
             <a:endParaRPr lang="en-US" dirty="0"/>
           </a:p>
@@ -4831,7 +5330,7 @@
     </p:spTree>
     <p:extLst>
       <p:ext uri="{BB962C8B-B14F-4D97-AF65-F5344CB8AC3E}">
-        <p14:creationId xmlns:p14="http://schemas.microsoft.com/office/powerpoint/2010/main" val="2431729031"/>
+        <p14:creationId xmlns:p14="http://schemas.microsoft.com/office/powerpoint/2010/main" val="2097781579"/>
       </p:ext>
     </p:extLst>
   </p:cSld>
@@ -4875,7 +5374,11 @@
           <a:p>
             <a:r>
               <a:rPr lang="en-US" dirty="0" smtClean="0"/>
-              <a:t>Cumulative Discharge</a:t>
+              <a:t>Results: Cumulative </a:t>
+            </a:r>
+            <a:r>
+              <a:rPr lang="en-US" dirty="0" smtClean="0"/>
+              <a:t>Discharge</a:t>
             </a:r>
             <a:endParaRPr lang="en-US" dirty="0"/>
           </a:p>
@@ -4891,7 +5394,12 @@
             <p:ph idx="1"/>
           </p:nvPr>
         </p:nvSpPr>
-        <p:spPr/>
+        <p:spPr>
+          <a:xfrm>
+            <a:off x="1097280" y="1845734"/>
+            <a:ext cx="3996013" cy="4023360"/>
+          </a:xfrm>
+        </p:spPr>
         <p:txBody>
           <a:bodyPr/>
           <a:lstStyle/>
@@ -4906,7 +5414,15 @@
             </a:r>
             <a:r>
               <a:rPr lang="en-US" dirty="0" smtClean="0"/>
-              <a:t>At time of 50% snowmelt, cumulative discharge is less than 50% </a:t>
+              <a:t>At time of 50% snowmelt, cumulative </a:t>
+            </a:r>
+            <a:r>
+              <a:rPr lang="en-US" dirty="0" smtClean="0"/>
+              <a:t>discharge (very) roughly 50</a:t>
+            </a:r>
+            <a:r>
+              <a:rPr lang="en-US" dirty="0" smtClean="0"/>
+              <a:t>% </a:t>
             </a:r>
           </a:p>
           <a:p>
@@ -4916,52 +5432,46 @@
             </a:pPr>
             <a:r>
               <a:rPr lang="en-US" dirty="0" smtClean="0"/>
-              <a:t>Discharge is a function of snow melt and rain</a:t>
-            </a:r>
-          </a:p>
-          <a:p>
-            <a:pPr>
-              <a:buFont typeface="Arial" panose="020B0604020202020204" pitchFamily="34" charset="0"/>
-              <a:buChar char="•"/>
-            </a:pPr>
+              <a:t>Discharge is a function of snow melt and </a:t>
+            </a:r>
             <a:r>
               <a:rPr lang="en-US" dirty="0" smtClean="0"/>
-              <a:t> Cumulative discharge pre-fire at 50% snow melt:</a:t>
-            </a:r>
-          </a:p>
-          <a:p>
-            <a:pPr>
-              <a:buFont typeface="Arial" panose="020B0604020202020204" pitchFamily="34" charset="0"/>
-              <a:buChar char="•"/>
-            </a:pPr>
-            <a:r>
-              <a:rPr lang="en-US" dirty="0"/>
-              <a:t> Cumulative discharge </a:t>
-            </a:r>
-            <a:r>
-              <a:rPr lang="en-US" dirty="0" smtClean="0"/>
-              <a:t>post-fire </a:t>
-            </a:r>
-            <a:r>
-              <a:rPr lang="en-US" dirty="0"/>
-              <a:t>at 50% snow melt</a:t>
-            </a:r>
-            <a:r>
-              <a:rPr lang="en-US" dirty="0" smtClean="0"/>
-              <a:t>:</a:t>
-            </a:r>
-            <a:r>
-              <a:rPr lang="en-US" dirty="0"/>
-              <a:t> </a:t>
-            </a:r>
-            <a:r>
-              <a:rPr lang="en-US" dirty="0" smtClean="0"/>
-              <a:t>16727/</a:t>
-            </a:r>
-            <a:endParaRPr lang="en-US" dirty="0"/>
-          </a:p>
-        </p:txBody>
-      </p:sp>
+              <a:t>rain</a:t>
+            </a:r>
+            <a:endParaRPr lang="en-US" dirty="0" smtClean="0"/>
+          </a:p>
+        </p:txBody>
+      </p:sp>
+      <p:pic>
+        <p:nvPicPr>
+          <p:cNvPr id="4" name="Picture 3"/>
+          <p:cNvPicPr>
+            <a:picLocks noChangeAspect="1"/>
+          </p:cNvPicPr>
+          <p:nvPr/>
+        </p:nvPicPr>
+        <p:blipFill>
+          <a:blip r:embed="rId2">
+            <a:extLst>
+              <a:ext uri="{28A0092B-C50C-407E-A947-70E740481C1C}">
+                <a14:useLocalDpi xmlns:a14="http://schemas.microsoft.com/office/drawing/2010/main" val="0"/>
+              </a:ext>
+            </a:extLst>
+          </a:blip>
+          <a:stretch>
+            <a:fillRect/>
+          </a:stretch>
+        </p:blipFill>
+        <p:spPr>
+          <a:xfrm>
+            <a:off x="5128667" y="1845734"/>
+            <a:ext cx="6027013" cy="3918404"/>
+          </a:xfrm>
+          <a:prstGeom prst="rect">
+            <a:avLst/>
+          </a:prstGeom>
+        </p:spPr>
+      </p:pic>
     </p:spTree>
     <p:extLst>
       <p:ext uri="{BB962C8B-B14F-4D97-AF65-F5344CB8AC3E}">

--- a/courses/geog475_pres.pptx
+++ b/courses/geog475_pres.pptx
@@ -350,7 +350,7 @@
           <a:p>
             <a:fld id="{A91272D2-4505-4B30-9706-5E7E0AC84A40}" type="datetimeFigureOut">
               <a:rPr lang="en-US" smtClean="0"/>
-              <a:t>4/11/2018</a:t>
+              <a:t>4/18/2018</a:t>
             </a:fld>
             <a:endParaRPr lang="en-US"/>
           </a:p>
@@ -558,7 +558,7 @@
           <a:p>
             <a:fld id="{A91272D2-4505-4B30-9706-5E7E0AC84A40}" type="datetimeFigureOut">
               <a:rPr lang="en-US" smtClean="0"/>
-              <a:t>4/11/2018</a:t>
+              <a:t>4/18/2018</a:t>
             </a:fld>
             <a:endParaRPr lang="en-US"/>
           </a:p>
@@ -816,7 +816,7 @@
           <a:p>
             <a:fld id="{A91272D2-4505-4B30-9706-5E7E0AC84A40}" type="datetimeFigureOut">
               <a:rPr lang="en-US" smtClean="0"/>
-              <a:t>4/11/2018</a:t>
+              <a:t>4/18/2018</a:t>
             </a:fld>
             <a:endParaRPr lang="en-US"/>
           </a:p>
@@ -986,7 +986,7 @@
           <a:p>
             <a:fld id="{A91272D2-4505-4B30-9706-5E7E0AC84A40}" type="datetimeFigureOut">
               <a:rPr lang="en-US" smtClean="0"/>
-              <a:t>4/11/2018</a:t>
+              <a:t>4/18/2018</a:t>
             </a:fld>
             <a:endParaRPr lang="en-US"/>
           </a:p>
@@ -1323,7 +1323,7 @@
           <a:p>
             <a:fld id="{A91272D2-4505-4B30-9706-5E7E0AC84A40}" type="datetimeFigureOut">
               <a:rPr lang="en-US" smtClean="0"/>
-              <a:t>4/11/2018</a:t>
+              <a:t>4/18/2018</a:t>
             </a:fld>
             <a:endParaRPr lang="en-US"/>
           </a:p>
@@ -1598,7 +1598,7 @@
           <a:p>
             <a:fld id="{A91272D2-4505-4B30-9706-5E7E0AC84A40}" type="datetimeFigureOut">
               <a:rPr lang="en-US" smtClean="0"/>
-              <a:t>4/11/2018</a:t>
+              <a:t>4/18/2018</a:t>
             </a:fld>
             <a:endParaRPr lang="en-US"/>
           </a:p>
@@ -1977,7 +1977,7 @@
           <a:p>
             <a:fld id="{A91272D2-4505-4B30-9706-5E7E0AC84A40}" type="datetimeFigureOut">
               <a:rPr lang="en-US" smtClean="0"/>
-              <a:t>4/11/2018</a:t>
+              <a:t>4/18/2018</a:t>
             </a:fld>
             <a:endParaRPr lang="en-US"/>
           </a:p>
@@ -2095,7 +2095,7 @@
           <a:p>
             <a:fld id="{A91272D2-4505-4B30-9706-5E7E0AC84A40}" type="datetimeFigureOut">
               <a:rPr lang="en-US" smtClean="0"/>
-              <a:t>4/11/2018</a:t>
+              <a:t>4/18/2018</a:t>
             </a:fld>
             <a:endParaRPr lang="en-US"/>
           </a:p>
@@ -2268,7 +2268,7 @@
           <a:p>
             <a:fld id="{A91272D2-4505-4B30-9706-5E7E0AC84A40}" type="datetimeFigureOut">
               <a:rPr lang="en-US" smtClean="0"/>
-              <a:t>4/11/2018</a:t>
+              <a:t>4/18/2018</a:t>
             </a:fld>
             <a:endParaRPr lang="en-US"/>
           </a:p>
@@ -2624,7 +2624,7 @@
           <a:p>
             <a:fld id="{A91272D2-4505-4B30-9706-5E7E0AC84A40}" type="datetimeFigureOut">
               <a:rPr lang="en-US" smtClean="0"/>
-              <a:t>4/11/2018</a:t>
+              <a:t>4/18/2018</a:t>
             </a:fld>
             <a:endParaRPr lang="en-US"/>
           </a:p>
@@ -3003,7 +3003,7 @@
           <a:p>
             <a:fld id="{A91272D2-4505-4B30-9706-5E7E0AC84A40}" type="datetimeFigureOut">
               <a:rPr lang="en-US" smtClean="0"/>
-              <a:t>4/11/2018</a:t>
+              <a:t>4/18/2018</a:t>
             </a:fld>
             <a:endParaRPr lang="en-US"/>
           </a:p>
@@ -3292,7 +3292,7 @@
           <a:p>
             <a:fld id="{A91272D2-4505-4B30-9706-5E7E0AC84A40}" type="datetimeFigureOut">
               <a:rPr lang="en-US" smtClean="0"/>
-              <a:t>4/11/2018</a:t>
+              <a:t>4/18/2018</a:t>
             </a:fld>
             <a:endParaRPr lang="en-US"/>
           </a:p>
@@ -3835,11 +3835,11 @@
           <a:p>
             <a:r>
               <a:rPr lang="en-US" sz="6600" dirty="0" smtClean="0"/>
-              <a:t>Effect of Wildfire on Snow Melt and Stream </a:t>
+              <a:t>Effects </a:t>
             </a:r>
             <a:r>
               <a:rPr lang="en-US" sz="6600" dirty="0" smtClean="0"/>
-              <a:t>Discharge</a:t>
+              <a:t>of Wildfire on Snow Melt and Stream Discharge</a:t>
             </a:r>
             <a:endParaRPr lang="en-US" sz="6600" dirty="0"/>
           </a:p>
@@ -3956,19 +3956,7 @@
               <a:rPr lang="en-US" dirty="0" smtClean="0">
                 <a:sym typeface="Wingdings" panose="05000000000000000000" pitchFamily="2" charset="2"/>
               </a:rPr>
-              <a:t>Snow melts </a:t>
-            </a:r>
-            <a:r>
-              <a:rPr lang="en-US" dirty="0" smtClean="0">
-                <a:sym typeface="Wingdings" panose="05000000000000000000" pitchFamily="2" charset="2"/>
-              </a:rPr>
-              <a:t>11 days earlier after </a:t>
-            </a:r>
-            <a:r>
-              <a:rPr lang="en-US" dirty="0" smtClean="0">
-                <a:sym typeface="Wingdings" panose="05000000000000000000" pitchFamily="2" charset="2"/>
-              </a:rPr>
-              <a:t>fire than before fire</a:t>
+              <a:t>Snow melts 11 days earlier after fire than before fire</a:t>
             </a:r>
           </a:p>
           <a:p>
@@ -4268,28 +4256,9 @@
             </a:pPr>
             <a:r>
               <a:rPr lang="en-US" dirty="0" smtClean="0"/>
-              <a:t> Does </a:t>
-            </a:r>
-            <a:r>
-              <a:rPr lang="en-US" dirty="0" smtClean="0"/>
-              <a:t>the </a:t>
-            </a:r>
-            <a:r>
-              <a:rPr lang="en-US" dirty="0" smtClean="0"/>
-              <a:t>rate and timing </a:t>
-            </a:r>
-            <a:r>
-              <a:rPr lang="en-US" dirty="0" smtClean="0"/>
-              <a:t>of snow melt in an area </a:t>
-            </a:r>
-            <a:r>
-              <a:rPr lang="en-US" dirty="0" smtClean="0"/>
-              <a:t>change after </a:t>
-            </a:r>
-            <a:r>
-              <a:rPr lang="en-US" dirty="0" smtClean="0"/>
-              <a:t>a wildfire?</a:t>
-            </a:r>
+              <a:t> </a:t>
+            </a:r>
+            <a:endParaRPr lang="en-US" dirty="0" smtClean="0"/>
           </a:p>
           <a:p>
             <a:pPr>
@@ -4298,24 +4267,9 @@
             </a:pPr>
             <a:r>
               <a:rPr lang="en-US" dirty="0" smtClean="0"/>
-              <a:t> </a:t>
-            </a:r>
-            <a:r>
-              <a:rPr lang="en-US" dirty="0" smtClean="0"/>
-              <a:t>How does </a:t>
-            </a:r>
-            <a:r>
-              <a:rPr lang="en-US" dirty="0" smtClean="0"/>
-              <a:t>do these changes affect stream </a:t>
-            </a:r>
-            <a:r>
-              <a:rPr lang="en-US" dirty="0" smtClean="0"/>
-              <a:t>discharge</a:t>
-            </a:r>
-            <a:r>
-              <a:rPr lang="en-US" dirty="0" smtClean="0"/>
-              <a:t>?</a:t>
-            </a:r>
+              <a:t> Wildfires remove vegetation that provides shading (slows snow melt), aids in infiltration, and slows runoff</a:t>
+            </a:r>
+            <a:endParaRPr lang="en-US" dirty="0"/>
           </a:p>
           <a:p>
             <a:pPr>
@@ -4324,7 +4278,39 @@
             </a:pPr>
             <a:r>
               <a:rPr lang="en-US" dirty="0" smtClean="0"/>
-              <a:t> Effectively looking at effect of remove of vegetation (by fire) on snow melt, runoff/discharge</a:t>
+              <a:t>Does </a:t>
+            </a:r>
+            <a:r>
+              <a:rPr lang="en-US" dirty="0" smtClean="0"/>
+              <a:t>the rate and timing of snow melt in an area change after a wildfire?</a:t>
+            </a:r>
+          </a:p>
+          <a:p>
+            <a:pPr>
+              <a:buFont typeface="Arial" panose="020B0604020202020204" pitchFamily="34" charset="0"/>
+              <a:buChar char="•"/>
+            </a:pPr>
+            <a:r>
+              <a:rPr lang="en-US" dirty="0" smtClean="0"/>
+              <a:t> How does do these changes affect stream discharge?</a:t>
+            </a:r>
+          </a:p>
+          <a:p>
+            <a:pPr>
+              <a:buFont typeface="Arial" panose="020B0604020202020204" pitchFamily="34" charset="0"/>
+              <a:buChar char="•"/>
+            </a:pPr>
+            <a:r>
+              <a:rPr lang="en-US" dirty="0" smtClean="0"/>
+              <a:t> Effectively looking at effect of </a:t>
+            </a:r>
+            <a:r>
+              <a:rPr lang="en-US" dirty="0" smtClean="0"/>
+              <a:t>the removal </a:t>
+            </a:r>
+            <a:r>
+              <a:rPr lang="en-US" dirty="0" smtClean="0"/>
+              <a:t>of vegetation (by fire) on snow melt, runoff/discharge</a:t>
             </a:r>
           </a:p>
           <a:p>
@@ -4638,11 +4624,7 @@
           <a:p>
             <a:r>
               <a:rPr lang="en-US" dirty="0" smtClean="0"/>
-              <a:t>1. Clipped </a:t>
-            </a:r>
-            <a:r>
-              <a:rPr lang="en-US" dirty="0" smtClean="0"/>
-              <a:t>wildfire </a:t>
+              <a:t>1. Clipped wildfire </a:t>
             </a:r>
             <a:r>
               <a:rPr lang="en-US" dirty="0" err="1" smtClean="0"/>
@@ -4656,11 +4638,7 @@
           <a:p>
             <a:r>
               <a:rPr lang="en-US" dirty="0" smtClean="0"/>
-              <a:t>2. Snow </a:t>
-            </a:r>
-            <a:r>
-              <a:rPr lang="en-US" dirty="0" smtClean="0"/>
-              <a:t>melt– </a:t>
+              <a:t>2. Snow melt– </a:t>
             </a:r>
           </a:p>
           <a:p>
@@ -4756,11 +4734,7 @@
           <a:p>
             <a:r>
               <a:rPr lang="en-US" dirty="0" smtClean="0"/>
-              <a:t>Results: Stream </a:t>
-            </a:r>
-            <a:r>
-              <a:rPr lang="en-US" dirty="0" smtClean="0"/>
-              <a:t>Discharge</a:t>
+              <a:t>Results: Stream Discharge</a:t>
             </a:r>
             <a:endParaRPr lang="en-US" dirty="0"/>
           </a:p>
@@ -4862,11 +4836,7 @@
           <a:p>
             <a:r>
               <a:rPr lang="en-US" dirty="0" smtClean="0"/>
-              <a:t>Results: Stream </a:t>
-            </a:r>
-            <a:r>
-              <a:rPr lang="en-US" dirty="0" smtClean="0"/>
-              <a:t>Discharge Difference</a:t>
+              <a:t>Results: Stream Discharge Difference</a:t>
             </a:r>
             <a:endParaRPr lang="en-US" dirty="0"/>
           </a:p>
@@ -4894,11 +4864,7 @@
           <a:p>
             <a:r>
               <a:rPr lang="en-US" dirty="0" smtClean="0"/>
-              <a:t>Key Assumption: change in snow cover in drainage between Anderson Dam and Neal Bridge stream gages is about the same as the change in snow cover for the South Fork Boise River </a:t>
-            </a:r>
-            <a:r>
-              <a:rPr lang="en-US" dirty="0" smtClean="0"/>
-              <a:t>Watershed</a:t>
+              <a:t>Key Assumption: change in snow cover in drainage between Anderson Dam and Neal Bridge stream gages is about the same as the change in snow cover for the South Fork Boise River Watershed</a:t>
             </a:r>
           </a:p>
           <a:p>
@@ -5374,11 +5340,7 @@
           <a:p>
             <a:r>
               <a:rPr lang="en-US" dirty="0" smtClean="0"/>
-              <a:t>Results: Cumulative </a:t>
-            </a:r>
-            <a:r>
-              <a:rPr lang="en-US" dirty="0" smtClean="0"/>
-              <a:t>Discharge</a:t>
+              <a:t>Results: Cumulative Discharge</a:t>
             </a:r>
             <a:endParaRPr lang="en-US" dirty="0"/>
           </a:p>
@@ -5414,15 +5376,7 @@
             </a:r>
             <a:r>
               <a:rPr lang="en-US" dirty="0" smtClean="0"/>
-              <a:t>At time of 50% snowmelt, cumulative </a:t>
-            </a:r>
-            <a:r>
-              <a:rPr lang="en-US" dirty="0" smtClean="0"/>
-              <a:t>discharge (very) roughly 50</a:t>
-            </a:r>
-            <a:r>
-              <a:rPr lang="en-US" dirty="0" smtClean="0"/>
-              <a:t>% </a:t>
+              <a:t>At time of 50% snowmelt, cumulative discharge (very) roughly 50% </a:t>
             </a:r>
           </a:p>
           <a:p>
@@ -5432,13 +5386,8 @@
             </a:pPr>
             <a:r>
               <a:rPr lang="en-US" dirty="0" smtClean="0"/>
-              <a:t>Discharge is a function of snow melt and </a:t>
-            </a:r>
-            <a:r>
-              <a:rPr lang="en-US" dirty="0" smtClean="0"/>
-              <a:t>rain</a:t>
-            </a:r>
-            <a:endParaRPr lang="en-US" dirty="0" smtClean="0"/>
+              <a:t>Discharge is a function of snow melt and rain</a:t>
+            </a:r>
           </a:p>
         </p:txBody>
       </p:sp>
